--- a/Monster.pptx
+++ b/Monster.pptx
@@ -4435,7 +4435,18 @@
                 <a:ea typeface="+mj-ea"/>
                 <a:cs typeface="+mj-cs"/>
               </a:rPr>
-              <a:t>                            Monsters(villagers)</a:t>
+              <a:t>                            </a:t>
+            </a:r>
+            <a:r>
+              <a:rPr lang="en-US" sz="3600" u="sng" dirty="0">
+                <a:solidFill>
+                  <a:schemeClr val="tx1"/>
+                </a:solidFill>
+                <a:latin typeface="Centaur" panose="02030504050205020304" pitchFamily="18" charset="0"/>
+                <a:ea typeface="+mj-ea"/>
+                <a:cs typeface="+mj-cs"/>
+              </a:rPr>
+              <a:t>Aliens (Colonists)</a:t>
             </a:r>
           </a:p>
           <a:p>
@@ -5260,7 +5271,7 @@
                 <a:ea typeface="+mj-ea"/>
                 <a:cs typeface="+mj-cs"/>
               </a:rPr>
-              <a:t>In similar games, one individual must moderate, and thus does not play</a:t>
+              <a:t>In similar games (Werewolf, Mafia, Bang!, etc.), one individual must moderate, and thus does not play</a:t>
             </a:r>
           </a:p>
           <a:p>
@@ -5756,7 +5767,7 @@
         </p:nvSpPr>
         <p:spPr>
           <a:xfrm>
-            <a:off x="0" y="405765"/>
+            <a:off x="0" y="0"/>
             <a:ext cx="9453880" cy="1325563"/>
           </a:xfrm>
           <a:noFill/>
@@ -5776,45 +5787,124 @@
           </a:p>
         </p:txBody>
       </p:sp>
-      <p:sp>
-        <p:nvSpPr>
-          <p:cNvPr id="3" name="Content Placeholder 2">
-            <a:extLst>
-              <a:ext uri="{FF2B5EF4-FFF2-40B4-BE49-F238E27FC236}">
-                <a16:creationId xmlns:a16="http://schemas.microsoft.com/office/drawing/2014/main" id="{E4BF54DD-1AF6-4B5D-AF04-EE150151BBBE}"/>
-              </a:ext>
-            </a:extLst>
-          </p:cNvPr>
-          <p:cNvSpPr>
-            <a:spLocks noGrp="1"/>
-          </p:cNvSpPr>
-          <p:nvPr>
-            <p:ph idx="1"/>
-          </p:nvPr>
-        </p:nvSpPr>
+      <p:pic>
+        <p:nvPicPr>
+          <p:cNvPr id="4" name="Picture 3">
+            <a:extLst>
+              <a:ext uri="{FF2B5EF4-FFF2-40B4-BE49-F238E27FC236}">
+                <a16:creationId xmlns:a16="http://schemas.microsoft.com/office/drawing/2014/main" id="{29666419-C865-4208-9A93-2069F160CAD9}"/>
+              </a:ext>
+            </a:extLst>
+          </p:cNvPr>
+          <p:cNvPicPr>
+            <a:picLocks noChangeAspect="1"/>
+          </p:cNvPicPr>
+          <p:nvPr/>
+        </p:nvPicPr>
+        <p:blipFill>
+          <a:blip r:embed="rId2"/>
+          <a:stretch>
+            <a:fillRect/>
+          </a:stretch>
+        </p:blipFill>
         <p:spPr>
-          <a:noFill/>
+          <a:xfrm>
+            <a:off x="2738120" y="1201435"/>
+            <a:ext cx="7409330" cy="5304140"/>
+          </a:xfrm>
+          <a:prstGeom prst="rect">
+            <a:avLst/>
+          </a:prstGeom>
         </p:spPr>
-        <p:txBody>
-          <a:bodyPr vert="horz" lIns="91440" tIns="45721" rIns="91440" bIns="45721" rtlCol="0" anchor="t">
-            <a:noAutofit/>
-          </a:bodyPr>
-          <a:lstStyle/>
-          <a:p>
-            <a:pPr marL="0" indent="0">
-              <a:lnSpc>
-                <a:spcPct val="150000"/>
-              </a:lnSpc>
-              <a:spcBef>
-                <a:spcPct val="0"/>
-              </a:spcBef>
-              <a:buNone/>
-            </a:pPr>
-            <a:endParaRPr lang="en-US" sz="3200" dirty="0">
-              <a:latin typeface="Centaur" panose="02030504050205020304" pitchFamily="18" charset="0"/>
-              <a:ea typeface="+mj-ea"/>
-              <a:cs typeface="+mj-cs"/>
-            </a:endParaRPr>
+      </p:pic>
+      <p:cxnSp>
+        <p:nvCxnSpPr>
+          <p:cNvPr id="5" name="Straight Arrow Connector 4">
+            <a:extLst>
+              <a:ext uri="{FF2B5EF4-FFF2-40B4-BE49-F238E27FC236}">
+                <a16:creationId xmlns:a16="http://schemas.microsoft.com/office/drawing/2014/main" id="{D64C2229-A9FB-43C2-8D83-0AA9E50A847E}"/>
+              </a:ext>
+            </a:extLst>
+          </p:cNvPr>
+          <p:cNvCxnSpPr>
+            <a:cxnSpLocks/>
+            <a:stCxn id="6" idx="3"/>
+          </p:cNvCxnSpPr>
+          <p:nvPr/>
+        </p:nvCxnSpPr>
+        <p:spPr>
+          <a:xfrm flipV="1">
+            <a:off x="2543176" y="4225437"/>
+            <a:ext cx="333374" cy="1132742"/>
+          </a:xfrm>
+          <a:prstGeom prst="straightConnector1">
+            <a:avLst/>
+          </a:prstGeom>
+          <a:ln>
+            <a:tailEnd type="triangle"/>
+          </a:ln>
+        </p:spPr>
+        <p:style>
+          <a:lnRef idx="1">
+            <a:schemeClr val="accent1"/>
+          </a:lnRef>
+          <a:fillRef idx="0">
+            <a:schemeClr val="accent1"/>
+          </a:fillRef>
+          <a:effectRef idx="0">
+            <a:schemeClr val="accent1"/>
+          </a:effectRef>
+          <a:fontRef idx="minor">
+            <a:schemeClr val="tx1"/>
+          </a:fontRef>
+        </p:style>
+      </p:cxnSp>
+      <p:sp>
+        <p:nvSpPr>
+          <p:cNvPr id="6" name="Rectangle 5">
+            <a:extLst>
+              <a:ext uri="{FF2B5EF4-FFF2-40B4-BE49-F238E27FC236}">
+                <a16:creationId xmlns:a16="http://schemas.microsoft.com/office/drawing/2014/main" id="{B7A46E8F-E794-4ABB-A87A-2272EDEA5555}"/>
+              </a:ext>
+            </a:extLst>
+          </p:cNvPr>
+          <p:cNvSpPr/>
+          <p:nvPr/>
+        </p:nvSpPr>
+        <p:spPr>
+          <a:xfrm>
+            <a:off x="439616" y="4791808"/>
+            <a:ext cx="2103560" cy="1132742"/>
+          </a:xfrm>
+          <a:prstGeom prst="rect">
+            <a:avLst/>
+          </a:prstGeom>
+        </p:spPr>
+        <p:style>
+          <a:lnRef idx="2">
+            <a:schemeClr val="accent1">
+              <a:shade val="50000"/>
+            </a:schemeClr>
+          </a:lnRef>
+          <a:fillRef idx="1">
+            <a:schemeClr val="accent1"/>
+          </a:fillRef>
+          <a:effectRef idx="0">
+            <a:schemeClr val="accent1"/>
+          </a:effectRef>
+          <a:fontRef idx="minor">
+            <a:schemeClr val="lt1"/>
+          </a:fontRef>
+        </p:style>
+        <p:txBody>
+          <a:bodyPr rtlCol="0" anchor="ctr"/>
+          <a:lstStyle/>
+          <a:p>
+            <a:pPr algn="ctr"/>
+            <a:r>
+              <a:rPr lang="en-US" dirty="0"/>
+              <a:t>Using GitHub Issues to assign tasks and track App progress</a:t>
+            </a:r>
           </a:p>
         </p:txBody>
       </p:sp>
@@ -7071,7 +7161,7 @@
                 <a:ea typeface="+mj-ea"/>
                 <a:cs typeface="+mj-cs"/>
               </a:rPr>
-              <a:t>I’m the (villager, werewolf, seer, etc.)</a:t>
+              <a:t>I’m the (cosmonaut, alien, scanner, etc.)</a:t>
             </a:r>
           </a:p>
           <a:p>
